--- a/static/originals/developerportal/migratev4.pptx
+++ b/static/originals/developerportal/migratev4.pptx
@@ -259,7 +259,7 @@
           <a:p>
             <a:fld id="{28FD1876-3828-4D76-A242-30A1FDBF565F}" type="datetimeFigureOut">
               <a:rPr lang="en-US" smtClean="0"/>
-              <a:t>10/22/2019</a:t>
+              <a:t>8/16/2023</a:t>
             </a:fld>
             <a:endParaRPr lang="en-US"/>
           </a:p>
@@ -457,7 +457,7 @@
           <a:p>
             <a:fld id="{28FD1876-3828-4D76-A242-30A1FDBF565F}" type="datetimeFigureOut">
               <a:rPr lang="en-US" smtClean="0"/>
-              <a:t>10/22/2019</a:t>
+              <a:t>8/16/2023</a:t>
             </a:fld>
             <a:endParaRPr lang="en-US"/>
           </a:p>
@@ -665,7 +665,7 @@
           <a:p>
             <a:fld id="{28FD1876-3828-4D76-A242-30A1FDBF565F}" type="datetimeFigureOut">
               <a:rPr lang="en-US" smtClean="0"/>
-              <a:t>10/22/2019</a:t>
+              <a:t>8/16/2023</a:t>
             </a:fld>
             <a:endParaRPr lang="en-US"/>
           </a:p>
@@ -863,7 +863,7 @@
           <a:p>
             <a:fld id="{28FD1876-3828-4D76-A242-30A1FDBF565F}" type="datetimeFigureOut">
               <a:rPr lang="en-US" smtClean="0"/>
-              <a:t>10/22/2019</a:t>
+              <a:t>8/16/2023</a:t>
             </a:fld>
             <a:endParaRPr lang="en-US"/>
           </a:p>
@@ -1138,7 +1138,7 @@
           <a:p>
             <a:fld id="{28FD1876-3828-4D76-A242-30A1FDBF565F}" type="datetimeFigureOut">
               <a:rPr lang="en-US" smtClean="0"/>
-              <a:t>10/22/2019</a:t>
+              <a:t>8/16/2023</a:t>
             </a:fld>
             <a:endParaRPr lang="en-US"/>
           </a:p>
@@ -1403,7 +1403,7 @@
           <a:p>
             <a:fld id="{28FD1876-3828-4D76-A242-30A1FDBF565F}" type="datetimeFigureOut">
               <a:rPr lang="en-US" smtClean="0"/>
-              <a:t>10/22/2019</a:t>
+              <a:t>8/16/2023</a:t>
             </a:fld>
             <a:endParaRPr lang="en-US"/>
           </a:p>
@@ -1815,7 +1815,7 @@
           <a:p>
             <a:fld id="{28FD1876-3828-4D76-A242-30A1FDBF565F}" type="datetimeFigureOut">
               <a:rPr lang="en-US" smtClean="0"/>
-              <a:t>10/22/2019</a:t>
+              <a:t>8/16/2023</a:t>
             </a:fld>
             <a:endParaRPr lang="en-US"/>
           </a:p>
@@ -1956,7 +1956,7 @@
           <a:p>
             <a:fld id="{28FD1876-3828-4D76-A242-30A1FDBF565F}" type="datetimeFigureOut">
               <a:rPr lang="en-US" smtClean="0"/>
-              <a:t>10/22/2019</a:t>
+              <a:t>8/16/2023</a:t>
             </a:fld>
             <a:endParaRPr lang="en-US"/>
           </a:p>
@@ -2069,7 +2069,7 @@
           <a:p>
             <a:fld id="{28FD1876-3828-4D76-A242-30A1FDBF565F}" type="datetimeFigureOut">
               <a:rPr lang="en-US" smtClean="0"/>
-              <a:t>10/22/2019</a:t>
+              <a:t>8/16/2023</a:t>
             </a:fld>
             <a:endParaRPr lang="en-US"/>
           </a:p>
@@ -2380,7 +2380,7 @@
           <a:p>
             <a:fld id="{28FD1876-3828-4D76-A242-30A1FDBF565F}" type="datetimeFigureOut">
               <a:rPr lang="en-US" smtClean="0"/>
-              <a:t>10/22/2019</a:t>
+              <a:t>8/16/2023</a:t>
             </a:fld>
             <a:endParaRPr lang="en-US"/>
           </a:p>
@@ -2668,7 +2668,7 @@
           <a:p>
             <a:fld id="{28FD1876-3828-4D76-A242-30A1FDBF565F}" type="datetimeFigureOut">
               <a:rPr lang="en-US" smtClean="0"/>
-              <a:t>10/22/2019</a:t>
+              <a:t>8/16/2023</a:t>
             </a:fld>
             <a:endParaRPr lang="en-US"/>
           </a:p>
@@ -2909,7 +2909,7 @@
           <a:p>
             <a:fld id="{28FD1876-3828-4D76-A242-30A1FDBF565F}" type="datetimeFigureOut">
               <a:rPr lang="en-US" smtClean="0"/>
-              <a:t>10/22/2019</a:t>
+              <a:t>8/16/2023</a:t>
             </a:fld>
             <a:endParaRPr lang="en-US"/>
           </a:p>
@@ -3423,7 +3423,7 @@
           <a:p>
             <a:pPr algn="ctr"/>
             <a:r>
-              <a:rPr lang="en-US" dirty="0"/>
+              <a:rPr lang="en-US" sz="2800" dirty="0"/>
               <a:t>Current App</a:t>
             </a:r>
           </a:p>
@@ -3472,7 +3472,7 @@
           <a:p>
             <a:pPr algn="ctr"/>
             <a:r>
-              <a:rPr lang="en-US" dirty="0"/>
+              <a:rPr lang="en-US" sz="2800" dirty="0"/>
               <a:t>Temporary App</a:t>
             </a:r>
           </a:p>
@@ -3521,15 +3521,8 @@
           <a:p>
             <a:pPr algn="ctr"/>
             <a:r>
-              <a:rPr lang="en-US" dirty="0"/>
+              <a:rPr lang="en-US" sz="2800" dirty="0"/>
               <a:t>Old Node</a:t>
-            </a:r>
-          </a:p>
-          <a:p>
-            <a:pPr algn="ctr"/>
-            <a:r>
-              <a:rPr lang="en-US" sz="3200" dirty="0"/>
-              <a:t>V3</a:t>
             </a:r>
           </a:p>
         </p:txBody>
@@ -3577,15 +3570,8 @@
           <a:p>
             <a:pPr algn="ctr"/>
             <a:r>
-              <a:rPr lang="en-US" dirty="0"/>
+              <a:rPr lang="en-US" sz="2800" dirty="0"/>
               <a:t>New Node</a:t>
-            </a:r>
-          </a:p>
-          <a:p>
-            <a:pPr algn="ctr"/>
-            <a:r>
-              <a:rPr lang="en-US" sz="3200" dirty="0"/>
-              <a:t>V4</a:t>
             </a:r>
           </a:p>
         </p:txBody>
@@ -3914,7 +3900,7 @@
             <a:pPr algn="ctr"/>
             <a:r>
               <a:rPr lang="en-US" dirty="0"/>
-              <a:t>1. Link the new Free App to the v4 node</a:t>
+              <a:t>1. Link the new Free App to the new node</a:t>
             </a:r>
           </a:p>
         </p:txBody>
@@ -3950,7 +3936,7 @@
             <a:pPr algn="ctr"/>
             <a:r>
               <a:rPr lang="en-US" dirty="0"/>
-              <a:t>2. Copy the deployment package and data from the v3 node to the v4 node</a:t>
+              <a:t>2. Copy the deployment package and data from the old node to the new node</a:t>
             </a:r>
           </a:p>
         </p:txBody>
@@ -3986,7 +3972,7 @@
             <a:pPr algn="ctr"/>
             <a:r>
               <a:rPr lang="en-US" dirty="0"/>
-              <a:t>4. Link the app to the v4 node</a:t>
+              <a:t>4. Link the app to the new node</a:t>
             </a:r>
           </a:p>
         </p:txBody>
@@ -4118,7 +4104,7 @@
         <p:spPr>
           <a:xfrm>
             <a:off x="2330144" y="5499728"/>
-            <a:ext cx="2453438" cy="369332"/>
+            <a:ext cx="2453438" cy="646331"/>
           </a:xfrm>
           <a:prstGeom prst="rect">
             <a:avLst/>
@@ -4134,7 +4120,7 @@
             <a:pPr algn="ctr"/>
             <a:r>
               <a:rPr lang="en-US" dirty="0"/>
-              <a:t>7. Offboard the v3 node</a:t>
+              <a:t>7. Offboard the old node</a:t>
             </a:r>
           </a:p>
         </p:txBody>
@@ -4209,7 +4195,7 @@
             <a:pPr algn="ctr"/>
             <a:r>
               <a:rPr lang="en-US" dirty="0"/>
-              <a:t>3. Unlink the app from the v3 node</a:t>
+              <a:t>3. Unlink the app from the old node</a:t>
             </a:r>
           </a:p>
         </p:txBody>
